--- a/Workshop_final/Workshop_Final.pptx
+++ b/Workshop_final/Workshop_Final.pptx
@@ -115,6 +115,11 @@
       </a:defRPr>
     </a:lvl9pPr>
   </p:defaultTextStyle>
+  <p:extLst>
+    <p:ext uri="{EFAFB233-063F-42B5-8137-9DF3F51BA10A}">
+      <p15:sldGuideLst xmlns:p15="http://schemas.microsoft.com/office/powerpoint/2012/main"/>
+    </p:ext>
+  </p:extLst>
 </p:presentation>
 </file>
 
@@ -5824,7 +5829,6 @@
               <a:rPr lang="vi-VN" dirty="0"/>
               <a:t>thống tư vấn sản phẩm thông minh cho khách hàng Việt Nam</a:t>
             </a:r>
-            <a:endParaRPr lang="vi-VN" dirty="0"/>
           </a:p>
         </p:txBody>
       </p:sp>
@@ -6017,7 +6021,6 @@
               <a:rPr lang="en-US" sz="2200" b="1" dirty="0"/>
               <a:t>Data Management</a:t>
             </a:r>
-            <a:endParaRPr lang="en-US" sz="2200" b="1" dirty="0"/>
           </a:p>
           <a:p>
             <a:pPr>
@@ -6414,7 +6417,6 @@
               <a:rPr lang="en-US" dirty="0" smtClean="0"/>
               <a:t>	</a:t>
             </a:r>
-            <a:endParaRPr lang="en-US" dirty="0" smtClean="0"/>
           </a:p>
         </p:txBody>
       </p:sp>
@@ -6544,8 +6546,72 @@
               <a:t>- </a:t>
             </a:r>
             <a:r>
-              <a:rPr lang="en-US" dirty="0"/>
-              <a:t>Limited History Understanding</a:t>
+              <a:rPr lang="en-US" dirty="0" err="1" smtClean="0"/>
+              <a:t>Chưa</a:t>
+            </a:r>
+            <a:r>
+              <a:rPr lang="en-US" dirty="0" smtClean="0"/>
+              <a:t> </a:t>
+            </a:r>
+            <a:r>
+              <a:rPr lang="en-US" dirty="0" err="1" smtClean="0"/>
+              <a:t>xác</a:t>
+            </a:r>
+            <a:r>
+              <a:rPr lang="en-US" dirty="0" smtClean="0"/>
+              <a:t> </a:t>
+            </a:r>
+            <a:r>
+              <a:rPr lang="en-US" dirty="0" err="1" smtClean="0"/>
+              <a:t>định</a:t>
+            </a:r>
+            <a:r>
+              <a:rPr lang="en-US" dirty="0" smtClean="0"/>
+              <a:t> </a:t>
+            </a:r>
+            <a:r>
+              <a:rPr lang="en-US" dirty="0" err="1" smtClean="0"/>
+              <a:t>được</a:t>
+            </a:r>
+            <a:r>
+              <a:rPr lang="en-US" dirty="0" smtClean="0"/>
+              <a:t> </a:t>
+            </a:r>
+            <a:r>
+              <a:rPr lang="en-US" dirty="0" err="1" smtClean="0"/>
+              <a:t>các</a:t>
+            </a:r>
+            <a:r>
+              <a:rPr lang="en-US" dirty="0" smtClean="0"/>
+              <a:t> </a:t>
+            </a:r>
+            <a:r>
+              <a:rPr lang="en-US" dirty="0" err="1" smtClean="0"/>
+              <a:t>câu</a:t>
+            </a:r>
+            <a:r>
+              <a:rPr lang="en-US" dirty="0" smtClean="0"/>
+              <a:t> </a:t>
+            </a:r>
+            <a:r>
+              <a:rPr lang="en-US" dirty="0" err="1" smtClean="0"/>
+              <a:t>hỏi</a:t>
+            </a:r>
+            <a:r>
+              <a:rPr lang="en-US" dirty="0" smtClean="0"/>
+              <a:t> </a:t>
+            </a:r>
+            <a:r>
+              <a:rPr lang="en-US" dirty="0" err="1" smtClean="0"/>
+              <a:t>chung</a:t>
+            </a:r>
+            <a:r>
+              <a:rPr lang="en-US" dirty="0" smtClean="0"/>
+              <a:t> </a:t>
+            </a:r>
+            <a:r>
+              <a:rPr lang="en-US" dirty="0" err="1" smtClean="0"/>
+              <a:t>chung</a:t>
             </a:r>
             <a:r>
               <a:rPr lang="en-US" sz="2200" b="1" dirty="0" smtClean="0"/>
@@ -6762,7 +6828,6 @@
               <a:rPr lang="en-US" dirty="0"/>
               <a:t>[DN03]-Elevate AI_AI-Ready for Excellent Delivery</a:t>
             </a:r>
-            <a:endParaRPr lang="en-US" dirty="0"/>
           </a:p>
         </p:txBody>
       </p:sp>
@@ -7224,11 +7289,7 @@
           <a:p>
             <a:r>
               <a:rPr lang="en-US" dirty="0"/>
-              <a:t>Multi-step </a:t>
-            </a:r>
-            <a:r>
-              <a:rPr lang="en-US" dirty="0"/>
-              <a:t>Process</a:t>
+              <a:t>Multi-step Process</a:t>
             </a:r>
             <a:br>
               <a:rPr lang="en-US" dirty="0"/>
@@ -7702,11 +7763,7 @@
           <a:p>
             <a:r>
               <a:rPr lang="en-US" dirty="0"/>
-              <a:t>🚀 Result: </a:t>
-            </a:r>
-            <a:r>
-              <a:rPr lang="en-US" dirty="0"/>
-              <a:t>AI </a:t>
+              <a:t>🚀 Result: AI </a:t>
             </a:r>
             <a:r>
               <a:rPr lang="en-US" dirty="0" err="1"/>

--- a/Workshop_final/Workshop_Final.pptx
+++ b/Workshop_final/Workshop_Final.pptx
@@ -5822,13 +5822,62 @@
           <a:lstStyle/>
           <a:p>
             <a:r>
-              <a:rPr lang="vi-VN" dirty="0" smtClean="0"/>
-              <a:t>Hệ </a:t>
+              <a:rPr lang="en-US" smtClean="0"/>
+              <a:t>Chatbot</a:t>
+            </a:r>
+            <a:r>
+              <a:rPr lang="vi-VN" smtClean="0"/>
+              <a:t> </a:t>
             </a:r>
             <a:r>
               <a:rPr lang="vi-VN" dirty="0"/>
-              <a:t>thống tư vấn sản phẩm thông minh cho khách hàng Việt Nam</a:t>
-            </a:r>
+              <a:t>tư vấn sản phẩm thông minh </a:t>
+            </a:r>
+            <a:r>
+              <a:rPr lang="en-US" dirty="0" err="1" smtClean="0"/>
+              <a:t>cho</a:t>
+            </a:r>
+            <a:r>
+              <a:rPr lang="en-US" dirty="0"/>
+              <a:t> </a:t>
+            </a:r>
+            <a:r>
+              <a:rPr lang="en-US" dirty="0" err="1" smtClean="0"/>
+              <a:t>sàn</a:t>
+            </a:r>
+            <a:r>
+              <a:rPr lang="en-US" dirty="0" smtClean="0"/>
+              <a:t> </a:t>
+            </a:r>
+            <a:r>
+              <a:rPr lang="en-US" dirty="0" err="1" smtClean="0"/>
+              <a:t>thương</a:t>
+            </a:r>
+            <a:r>
+              <a:rPr lang="en-US" dirty="0" smtClean="0"/>
+              <a:t> </a:t>
+            </a:r>
+            <a:r>
+              <a:rPr lang="en-US" dirty="0" err="1" smtClean="0"/>
+              <a:t>mại</a:t>
+            </a:r>
+            <a:r>
+              <a:rPr lang="en-US" dirty="0" smtClean="0"/>
+              <a:t> </a:t>
+            </a:r>
+            <a:r>
+              <a:rPr lang="en-US" dirty="0" err="1" smtClean="0"/>
+              <a:t>điện</a:t>
+            </a:r>
+            <a:r>
+              <a:rPr lang="en-US" dirty="0" smtClean="0"/>
+              <a:t> </a:t>
+            </a:r>
+            <a:r>
+              <a:rPr lang="en-US" dirty="0" err="1" smtClean="0"/>
+              <a:t>tử</a:t>
+            </a:r>
+            <a:endParaRPr lang="vi-VN" dirty="0"/>
           </a:p>
         </p:txBody>
       </p:sp>

--- a/Workshop_final/Workshop_Final.pptx
+++ b/Workshop_final/Workshop_Final.pptx
@@ -10,13 +10,14 @@
     <p:sldId id="258" r:id="rId4"/>
     <p:sldId id="262" r:id="rId5"/>
     <p:sldId id="259" r:id="rId6"/>
-    <p:sldId id="260" r:id="rId7"/>
-    <p:sldId id="264" r:id="rId8"/>
-    <p:sldId id="265" r:id="rId9"/>
-    <p:sldId id="266" r:id="rId10"/>
-    <p:sldId id="263" r:id="rId11"/>
-    <p:sldId id="267" r:id="rId12"/>
-    <p:sldId id="268" r:id="rId13"/>
+    <p:sldId id="269" r:id="rId7"/>
+    <p:sldId id="260" r:id="rId8"/>
+    <p:sldId id="264" r:id="rId9"/>
+    <p:sldId id="265" r:id="rId10"/>
+    <p:sldId id="266" r:id="rId11"/>
+    <p:sldId id="263" r:id="rId12"/>
+    <p:sldId id="267" r:id="rId13"/>
+    <p:sldId id="268" r:id="rId14"/>
   </p:sldIdLst>
   <p:sldSz cx="12192000" cy="6858000"/>
   <p:notesSz cx="6858000" cy="9144000"/>
@@ -5822,11 +5823,11 @@
           <a:lstStyle/>
           <a:p>
             <a:r>
-              <a:rPr lang="en-US" smtClean="0"/>
+              <a:rPr lang="en-US" dirty="0" err="1" smtClean="0"/>
               <a:t>Chatbot</a:t>
             </a:r>
             <a:r>
-              <a:rPr lang="vi-VN" smtClean="0"/>
+              <a:rPr lang="vi-VN" dirty="0" smtClean="0"/>
               <a:t> </a:t>
             </a:r>
             <a:r>
@@ -5902,6 +5903,89 @@
 </file>
 
 <file path=ppt/slides/slide10.xml><?xml version="1.0" encoding="utf-8"?>
+<p:sld xmlns:a="http://schemas.openxmlformats.org/drawingml/2006/main" xmlns:r="http://schemas.openxmlformats.org/officeDocument/2006/relationships" xmlns:p="http://schemas.openxmlformats.org/presentationml/2006/main">
+  <p:cSld>
+    <p:spTree>
+      <p:nvGrpSpPr>
+        <p:cNvPr id="1" name=""/>
+        <p:cNvGrpSpPr/>
+        <p:nvPr/>
+      </p:nvGrpSpPr>
+      <p:grpSpPr>
+        <a:xfrm>
+          <a:off x="0" y="0"/>
+          <a:ext cx="0" cy="0"/>
+          <a:chOff x="0" y="0"/>
+          <a:chExt cx="0" cy="0"/>
+        </a:xfrm>
+      </p:grpSpPr>
+      <p:sp>
+        <p:nvSpPr>
+          <p:cNvPr id="2" name="Title 1"/>
+          <p:cNvSpPr>
+            <a:spLocks noGrp="1"/>
+          </p:cNvSpPr>
+          <p:nvPr>
+            <p:ph type="title"/>
+          </p:nvPr>
+        </p:nvSpPr>
+        <p:spPr/>
+        <p:txBody>
+          <a:bodyPr/>
+          <a:lstStyle/>
+          <a:p>
+            <a:r>
+              <a:rPr lang="en-US" dirty="0" smtClean="0"/>
+              <a:t>Demo</a:t>
+            </a:r>
+            <a:endParaRPr lang="en-US" dirty="0"/>
+          </a:p>
+        </p:txBody>
+      </p:sp>
+      <p:pic>
+        <p:nvPicPr>
+          <p:cNvPr id="3" name="Picture 2"/>
+          <p:cNvPicPr>
+            <a:picLocks noChangeAspect="1"/>
+          </p:cNvPicPr>
+          <p:nvPr/>
+        </p:nvPicPr>
+        <p:blipFill>
+          <a:blip r:embed="rId2">
+            <a:extLst>
+              <a:ext uri="{28A0092B-C50C-407E-A947-70E740481C1C}">
+                <a14:useLocalDpi xmlns:a14="http://schemas.microsoft.com/office/drawing/2010/main" val="0"/>
+              </a:ext>
+            </a:extLst>
+          </a:blip>
+          <a:stretch>
+            <a:fillRect/>
+          </a:stretch>
+        </p:blipFill>
+        <p:spPr>
+          <a:xfrm>
+            <a:off x="796219" y="1177737"/>
+            <a:ext cx="9814631" cy="5551894"/>
+          </a:xfrm>
+          <a:prstGeom prst="rect">
+            <a:avLst/>
+          </a:prstGeom>
+        </p:spPr>
+      </p:pic>
+    </p:spTree>
+    <p:extLst>
+      <p:ext uri="{BB962C8B-B14F-4D97-AF65-F5344CB8AC3E}">
+        <p14:creationId xmlns:p14="http://schemas.microsoft.com/office/powerpoint/2010/main" val="234368056"/>
+      </p:ext>
+    </p:extLst>
+  </p:cSld>
+  <p:clrMapOvr>
+    <a:masterClrMapping/>
+  </p:clrMapOvr>
+</p:sld>
+</file>
+
+<file path=ppt/slides/slide11.xml><?xml version="1.0" encoding="utf-8"?>
 <p:sld xmlns:a="http://schemas.openxmlformats.org/drawingml/2006/main" xmlns:r="http://schemas.openxmlformats.org/officeDocument/2006/relationships" xmlns:p="http://schemas.openxmlformats.org/presentationml/2006/main">
   <p:cSld>
     <p:spTree>
@@ -6489,7 +6573,7 @@
 </p:sld>
 </file>
 
-<file path=ppt/slides/slide11.xml><?xml version="1.0" encoding="utf-8"?>
+<file path=ppt/slides/slide12.xml><?xml version="1.0" encoding="utf-8"?>
 <p:sld xmlns:a="http://schemas.openxmlformats.org/drawingml/2006/main" xmlns:r="http://schemas.openxmlformats.org/officeDocument/2006/relationships" xmlns:p="http://schemas.openxmlformats.org/presentationml/2006/main">
   <p:cSld>
     <p:spTree>
@@ -6814,7 +6898,7 @@
 </p:sld>
 </file>
 
-<file path=ppt/slides/slide12.xml><?xml version="1.0" encoding="utf-8"?>
+<file path=ppt/slides/slide13.xml><?xml version="1.0" encoding="utf-8"?>
 <p:sld xmlns:a="http://schemas.openxmlformats.org/drawingml/2006/main" xmlns:r="http://schemas.openxmlformats.org/officeDocument/2006/relationships" xmlns:p="http://schemas.openxmlformats.org/presentationml/2006/main">
   <p:cSld>
     <p:spTree>
@@ -8607,6 +8691,93 @@
             <p:ph type="title"/>
           </p:nvPr>
         </p:nvSpPr>
+        <p:spPr/>
+        <p:txBody>
+          <a:bodyPr/>
+          <a:lstStyle/>
+          <a:p>
+            <a:r>
+              <a:rPr lang="en-US" b="1" dirty="0" smtClean="0"/>
+              <a:t>Embedding </a:t>
+            </a:r>
+            <a:r>
+              <a:rPr lang="en-US" b="1" dirty="0"/>
+              <a:t>Workflow Architecture</a:t>
+            </a:r>
+            <a:endParaRPr lang="en-US" dirty="0"/>
+          </a:p>
+        </p:txBody>
+      </p:sp>
+      <p:pic>
+        <p:nvPicPr>
+          <p:cNvPr id="3" name="Picture 2"/>
+          <p:cNvPicPr>
+            <a:picLocks noChangeAspect="1"/>
+          </p:cNvPicPr>
+          <p:nvPr/>
+        </p:nvPicPr>
+        <p:blipFill>
+          <a:blip r:embed="rId2">
+            <a:extLst>
+              <a:ext uri="{28A0092B-C50C-407E-A947-70E740481C1C}">
+                <a14:useLocalDpi xmlns:a14="http://schemas.microsoft.com/office/drawing/2010/main" val="0"/>
+              </a:ext>
+            </a:extLst>
+          </a:blip>
+          <a:stretch>
+            <a:fillRect/>
+          </a:stretch>
+        </p:blipFill>
+        <p:spPr>
+          <a:xfrm>
+            <a:off x="461175" y="2433498"/>
+            <a:ext cx="10869949" cy="1920388"/>
+          </a:xfrm>
+          <a:prstGeom prst="rect">
+            <a:avLst/>
+          </a:prstGeom>
+        </p:spPr>
+      </p:pic>
+    </p:spTree>
+    <p:extLst>
+      <p:ext uri="{BB962C8B-B14F-4D97-AF65-F5344CB8AC3E}">
+        <p14:creationId xmlns:p14="http://schemas.microsoft.com/office/powerpoint/2010/main" val="965644051"/>
+      </p:ext>
+    </p:extLst>
+  </p:cSld>
+  <p:clrMapOvr>
+    <a:masterClrMapping/>
+  </p:clrMapOvr>
+</p:sld>
+</file>
+
+<file path=ppt/slides/slide7.xml><?xml version="1.0" encoding="utf-8"?>
+<p:sld xmlns:a="http://schemas.openxmlformats.org/drawingml/2006/main" xmlns:r="http://schemas.openxmlformats.org/officeDocument/2006/relationships" xmlns:p="http://schemas.openxmlformats.org/presentationml/2006/main">
+  <p:cSld>
+    <p:spTree>
+      <p:nvGrpSpPr>
+        <p:cNvPr id="1" name=""/>
+        <p:cNvGrpSpPr/>
+        <p:nvPr/>
+      </p:nvGrpSpPr>
+      <p:grpSpPr>
+        <a:xfrm>
+          <a:off x="0" y="0"/>
+          <a:ext cx="0" cy="0"/>
+          <a:chOff x="0" y="0"/>
+          <a:chExt cx="0" cy="0"/>
+        </a:xfrm>
+      </p:grpSpPr>
+      <p:sp>
+        <p:nvSpPr>
+          <p:cNvPr id="2" name="Title 1"/>
+          <p:cNvSpPr>
+            <a:spLocks noGrp="1"/>
+          </p:cNvSpPr>
+          <p:nvPr>
+            <p:ph type="title"/>
+          </p:nvPr>
+        </p:nvSpPr>
         <p:spPr>
           <a:xfrm>
             <a:off x="677334" y="609600"/>
@@ -8678,7 +8849,7 @@
 </p:sld>
 </file>
 
-<file path=ppt/slides/slide7.xml><?xml version="1.0" encoding="utf-8"?>
+<file path=ppt/slides/slide8.xml><?xml version="1.0" encoding="utf-8"?>
 <p:sld xmlns:a="http://schemas.openxmlformats.org/drawingml/2006/main" xmlns:r="http://schemas.openxmlformats.org/officeDocument/2006/relationships" xmlns:p="http://schemas.openxmlformats.org/presentationml/2006/main">
   <p:cSld>
     <p:spTree>
@@ -8761,7 +8932,7 @@
 </p:sld>
 </file>
 
-<file path=ppt/slides/slide8.xml><?xml version="1.0" encoding="utf-8"?>
+<file path=ppt/slides/slide9.xml><?xml version="1.0" encoding="utf-8"?>
 <p:sld xmlns:a="http://schemas.openxmlformats.org/drawingml/2006/main" xmlns:r="http://schemas.openxmlformats.org/officeDocument/2006/relationships" xmlns:p="http://schemas.openxmlformats.org/presentationml/2006/main">
   <p:cSld>
     <p:spTree>
@@ -8835,89 +9006,6 @@
     <p:extLst>
       <p:ext uri="{BB962C8B-B14F-4D97-AF65-F5344CB8AC3E}">
         <p14:creationId xmlns:p14="http://schemas.microsoft.com/office/powerpoint/2010/main" val="257367264"/>
-      </p:ext>
-    </p:extLst>
-  </p:cSld>
-  <p:clrMapOvr>
-    <a:masterClrMapping/>
-  </p:clrMapOvr>
-</p:sld>
-</file>
-
-<file path=ppt/slides/slide9.xml><?xml version="1.0" encoding="utf-8"?>
-<p:sld xmlns:a="http://schemas.openxmlformats.org/drawingml/2006/main" xmlns:r="http://schemas.openxmlformats.org/officeDocument/2006/relationships" xmlns:p="http://schemas.openxmlformats.org/presentationml/2006/main">
-  <p:cSld>
-    <p:spTree>
-      <p:nvGrpSpPr>
-        <p:cNvPr id="1" name=""/>
-        <p:cNvGrpSpPr/>
-        <p:nvPr/>
-      </p:nvGrpSpPr>
-      <p:grpSpPr>
-        <a:xfrm>
-          <a:off x="0" y="0"/>
-          <a:ext cx="0" cy="0"/>
-          <a:chOff x="0" y="0"/>
-          <a:chExt cx="0" cy="0"/>
-        </a:xfrm>
-      </p:grpSpPr>
-      <p:sp>
-        <p:nvSpPr>
-          <p:cNvPr id="2" name="Title 1"/>
-          <p:cNvSpPr>
-            <a:spLocks noGrp="1"/>
-          </p:cNvSpPr>
-          <p:nvPr>
-            <p:ph type="title"/>
-          </p:nvPr>
-        </p:nvSpPr>
-        <p:spPr/>
-        <p:txBody>
-          <a:bodyPr/>
-          <a:lstStyle/>
-          <a:p>
-            <a:r>
-              <a:rPr lang="en-US" dirty="0" smtClean="0"/>
-              <a:t>Demo</a:t>
-            </a:r>
-            <a:endParaRPr lang="en-US" dirty="0"/>
-          </a:p>
-        </p:txBody>
-      </p:sp>
-      <p:pic>
-        <p:nvPicPr>
-          <p:cNvPr id="3" name="Picture 2"/>
-          <p:cNvPicPr>
-            <a:picLocks noChangeAspect="1"/>
-          </p:cNvPicPr>
-          <p:nvPr/>
-        </p:nvPicPr>
-        <p:blipFill>
-          <a:blip r:embed="rId2">
-            <a:extLst>
-              <a:ext uri="{28A0092B-C50C-407E-A947-70E740481C1C}">
-                <a14:useLocalDpi xmlns:a14="http://schemas.microsoft.com/office/drawing/2010/main" val="0"/>
-              </a:ext>
-            </a:extLst>
-          </a:blip>
-          <a:stretch>
-            <a:fillRect/>
-          </a:stretch>
-        </p:blipFill>
-        <p:spPr>
-          <a:xfrm>
-            <a:off x="796219" y="1177737"/>
-            <a:ext cx="9814631" cy="5551894"/>
-          </a:xfrm>
-          <a:prstGeom prst="rect">
-            <a:avLst/>
-          </a:prstGeom>
-        </p:spPr>
-      </p:pic>
-    </p:spTree>
-    <p:extLst>
-      <p:ext uri="{BB962C8B-B14F-4D97-AF65-F5344CB8AC3E}">
-        <p14:creationId xmlns:p14="http://schemas.microsoft.com/office/powerpoint/2010/main" val="234368056"/>
       </p:ext>
     </p:extLst>
   </p:cSld>
